--- a/lesson02.pptx
+++ b/lesson02.pptx
@@ -290,7 +290,7 @@
             <a:fld id="{85522811-C5C6-42D2-A409-F8556720C93F}" type="datetimeFigureOut">
               <a:rPr lang="uk-UA" smtClean="0"/>
               <a:pPr/>
-              <a:t>08.10.2020</a:t>
+              <a:t>09.12.2020</a:t>
             </a:fld>
             <a:endParaRPr lang="uk-UA"/>
           </a:p>
@@ -931,7 +931,7 @@
             <a:fld id="{E6FC6B0D-6115-4D7C-8040-9C8E2349BB6E}" type="datetime1">
               <a:rPr lang="uk-UA" smtClean="0"/>
               <a:pPr/>
-              <a:t>08.10.2020</a:t>
+              <a:t>09.12.2020</a:t>
             </a:fld>
             <a:endParaRPr lang="uk-UA"/>
           </a:p>
@@ -1098,7 +1098,7 @@
             <a:fld id="{996367BA-0A39-4DE2-BFC3-D5290044365E}" type="datetime1">
               <a:rPr lang="uk-UA" smtClean="0"/>
               <a:pPr/>
-              <a:t>08.10.2020</a:t>
+              <a:t>09.12.2020</a:t>
             </a:fld>
             <a:endParaRPr lang="uk-UA"/>
           </a:p>
@@ -1275,7 +1275,7 @@
             <a:fld id="{1BD6A67F-6C29-47DC-AF8A-FDB3C787DF70}" type="datetime1">
               <a:rPr lang="uk-UA" smtClean="0"/>
               <a:pPr/>
-              <a:t>08.10.2020</a:t>
+              <a:t>09.12.2020</a:t>
             </a:fld>
             <a:endParaRPr lang="uk-UA"/>
           </a:p>
@@ -1442,7 +1442,7 @@
             <a:fld id="{1657D9C5-7FF1-434F-B56E-9BAD559744E9}" type="datetime1">
               <a:rPr lang="uk-UA" smtClean="0"/>
               <a:pPr/>
-              <a:t>08.10.2020</a:t>
+              <a:t>09.12.2020</a:t>
             </a:fld>
             <a:endParaRPr lang="uk-UA"/>
           </a:p>
@@ -1685,7 +1685,7 @@
             <a:fld id="{2CEB0FC9-DE63-476B-A1A9-BE934D9049F8}" type="datetime1">
               <a:rPr lang="uk-UA" smtClean="0"/>
               <a:pPr/>
-              <a:t>08.10.2020</a:t>
+              <a:t>09.12.2020</a:t>
             </a:fld>
             <a:endParaRPr lang="uk-UA"/>
           </a:p>
@@ -1970,7 +1970,7 @@
             <a:fld id="{F964460F-86E2-4DF6-9D0F-12F5005CF375}" type="datetime1">
               <a:rPr lang="uk-UA" smtClean="0"/>
               <a:pPr/>
-              <a:t>08.10.2020</a:t>
+              <a:t>09.12.2020</a:t>
             </a:fld>
             <a:endParaRPr lang="uk-UA"/>
           </a:p>
@@ -2389,7 +2389,7 @@
             <a:fld id="{C521715E-DDCD-4267-B0A5-2918B6F6768A}" type="datetime1">
               <a:rPr lang="uk-UA" smtClean="0"/>
               <a:pPr/>
-              <a:t>08.10.2020</a:t>
+              <a:t>09.12.2020</a:t>
             </a:fld>
             <a:endParaRPr lang="uk-UA"/>
           </a:p>
@@ -2504,7 +2504,7 @@
             <a:fld id="{9289842C-EB2D-4EBB-A272-2F6A49D9794D}" type="datetime1">
               <a:rPr lang="uk-UA" smtClean="0"/>
               <a:pPr/>
-              <a:t>08.10.2020</a:t>
+              <a:t>09.12.2020</a:t>
             </a:fld>
             <a:endParaRPr lang="uk-UA"/>
           </a:p>
@@ -2596,7 +2596,7 @@
             <a:fld id="{D036F091-B700-4B52-99AC-85D0FD94D904}" type="datetime1">
               <a:rPr lang="uk-UA" smtClean="0"/>
               <a:pPr/>
-              <a:t>08.10.2020</a:t>
+              <a:t>09.12.2020</a:t>
             </a:fld>
             <a:endParaRPr lang="uk-UA"/>
           </a:p>
@@ -2870,7 +2870,7 @@
             <a:fld id="{B35DFABA-3811-4634-B803-2EAC4CD0063B}" type="datetime1">
               <a:rPr lang="uk-UA" smtClean="0"/>
               <a:pPr/>
-              <a:t>08.10.2020</a:t>
+              <a:t>09.12.2020</a:t>
             </a:fld>
             <a:endParaRPr lang="uk-UA"/>
           </a:p>
@@ -3120,7 +3120,7 @@
             <a:fld id="{8A9EA25E-F88E-463A-A119-D1E55A881002}" type="datetime1">
               <a:rPr lang="uk-UA" smtClean="0"/>
               <a:pPr/>
-              <a:t>08.10.2020</a:t>
+              <a:t>09.12.2020</a:t>
             </a:fld>
             <a:endParaRPr lang="uk-UA"/>
           </a:p>
@@ -3330,7 +3330,7 @@
             <a:fld id="{E708ED03-0080-49A2-B709-7DA4ACB3A1C3}" type="datetime1">
               <a:rPr lang="uk-UA" smtClean="0"/>
               <a:pPr/>
-              <a:t>08.10.2020</a:t>
+              <a:t>09.12.2020</a:t>
             </a:fld>
             <a:endParaRPr lang="uk-UA"/>
           </a:p>
@@ -7536,8 +7536,8 @@
         </p:blipFill>
         <p:spPr bwMode="auto">
           <a:xfrm>
-            <a:off x="767408" y="1412776"/>
-            <a:ext cx="10971831" cy="3312368"/>
+            <a:off x="767409" y="1412776"/>
+            <a:ext cx="10225136" cy="3312368"/>
           </a:xfrm>
           <a:prstGeom prst="rect">
             <a:avLst/>
@@ -8908,8 +8908,8 @@
         </p:nvSpPr>
         <p:spPr>
           <a:xfrm>
-            <a:off x="6456040" y="2259236"/>
-            <a:ext cx="4252864" cy="2825948"/>
+            <a:off x="6113040" y="2060848"/>
+            <a:ext cx="4252864" cy="3970318"/>
           </a:xfrm>
           <a:prstGeom prst="rect">
             <a:avLst/>
@@ -8940,23 +8940,15 @@
             </a:r>
             <a:r>
               <a:rPr lang="ru-RU" sz="2800" dirty="0"/>
-              <a:t>своё</a:t>
-            </a:r>
-            <a:r>
-              <a:rPr lang="ru-RU" sz="2800" i="1" dirty="0"/>
-              <a:t> </a:t>
+              <a:t>своё </a:t>
             </a:r>
             <a:r>
               <a:rPr lang="ru-RU" sz="2800" b="1" dirty="0"/>
               <a:t>резюме</a:t>
             </a:r>
             <a:r>
-              <a:rPr lang="ru-RU" sz="2800" i="1" dirty="0"/>
-              <a:t> </a:t>
-            </a:r>
-            <a:r>
               <a:rPr lang="ru-RU" sz="2800" dirty="0"/>
-              <a:t>и </a:t>
+              <a:t> и </a:t>
             </a:r>
             <a:r>
               <a:rPr lang="ru-RU" sz="2800" b="1" dirty="0">
@@ -8979,7 +8971,7 @@
               <a:t>(</a:t>
             </a:r>
             <a:r>
-              <a:rPr lang="en-US" sz="2800" i="1" dirty="0"/>
+              <a:rPr lang="en-US" sz="2800" b="1" dirty="0"/>
               <a:t>neocities.org</a:t>
             </a:r>
             <a:r>
@@ -8992,14 +8984,10 @@
             </a:r>
             <a:r>
               <a:rPr lang="ru-RU" sz="2800" dirty="0"/>
-              <a:t>не хочется разглашать личную информацию </a:t>
-            </a:r>
-            <a:r>
-              <a:rPr lang="ru-RU" sz="2800" i="1" dirty="0"/>
-              <a:t>– можно </a:t>
-            </a:r>
-            <a:r>
-              <a:rPr lang="ru-RU" sz="2800" i="1" dirty="0" smtClean="0"/>
+              <a:t>не хочется разглашать личную информацию – можно </a:t>
+            </a:r>
+            <a:r>
+              <a:rPr lang="ru-RU" sz="2800" dirty="0" smtClean="0"/>
               <a:t>приукрасить </a:t>
             </a:r>
             <a:r>
@@ -9008,7 +8996,59 @@
               </a:rPr>
               <a:t></a:t>
             </a:r>
-            <a:endParaRPr lang="ru-RU" sz="2800" i="1" dirty="0"/>
+            <a:endParaRPr lang="en-US" sz="2800" dirty="0" smtClean="0">
+              <a:sym typeface="Wingdings" panose="05000000000000000000" pitchFamily="2" charset="2"/>
+            </a:endParaRPr>
+          </a:p>
+          <a:p>
+            <a:r>
+              <a:rPr lang="ru-RU" sz="2800" dirty="0" smtClean="0">
+                <a:sym typeface="Wingdings" panose="05000000000000000000" pitchFamily="2" charset="2"/>
+              </a:rPr>
+              <a:t>Теги </a:t>
+            </a:r>
+            <a:r>
+              <a:rPr lang="en-US" sz="2800" b="1" dirty="0" smtClean="0">
+                <a:sym typeface="Wingdings" panose="05000000000000000000" pitchFamily="2" charset="2"/>
+              </a:rPr>
+              <a:t>&lt;</a:t>
+            </a:r>
+            <a:r>
+              <a:rPr lang="en-US" sz="2800" b="1" dirty="0" err="1" smtClean="0">
+                <a:sym typeface="Wingdings" panose="05000000000000000000" pitchFamily="2" charset="2"/>
+              </a:rPr>
+              <a:t>ul</a:t>
+            </a:r>
+            <a:r>
+              <a:rPr lang="en-US" sz="2800" b="1" dirty="0" smtClean="0">
+                <a:sym typeface="Wingdings" panose="05000000000000000000" pitchFamily="2" charset="2"/>
+              </a:rPr>
+              <a:t>&gt;/&lt;li&gt; </a:t>
+            </a:r>
+            <a:r>
+              <a:rPr lang="ru-RU" sz="2800" dirty="0" smtClean="0">
+                <a:sym typeface="Wingdings" panose="05000000000000000000" pitchFamily="2" charset="2"/>
+              </a:rPr>
+              <a:t>и </a:t>
+            </a:r>
+            <a:r>
+              <a:rPr lang="en-US" sz="2800" b="1" dirty="0" smtClean="0">
+                <a:sym typeface="Wingdings" panose="05000000000000000000" pitchFamily="2" charset="2"/>
+              </a:rPr>
+              <a:t>&lt;table&gt; </a:t>
+            </a:r>
+            <a:r>
+              <a:rPr lang="ru-RU" sz="2800" dirty="0" smtClean="0">
+                <a:sym typeface="Wingdings" panose="05000000000000000000" pitchFamily="2" charset="2"/>
+              </a:rPr>
+              <a:t>могут </a:t>
+            </a:r>
+            <a:r>
+              <a:rPr lang="ru-RU" sz="2800" dirty="0">
+                <a:sym typeface="Wingdings" panose="05000000000000000000" pitchFamily="2" charset="2"/>
+              </a:rPr>
+              <a:t>вам помочь 😉</a:t>
+            </a:r>
           </a:p>
         </p:txBody>
       </p:sp>
@@ -9022,8 +9062,8 @@
         </p:nvSpPr>
         <p:spPr>
           <a:xfrm>
-            <a:off x="5663952" y="701824"/>
-            <a:ext cx="5260976" cy="1143000"/>
+            <a:off x="6113040" y="548680"/>
+            <a:ext cx="5887616" cy="1143000"/>
           </a:xfrm>
           <a:prstGeom prst="rect">
             <a:avLst/>
@@ -9050,6 +9090,7 @@
             </a:lvl1pPr>
           </a:lstStyle>
           <a:p>
+            <a:pPr algn="l"/>
             <a:r>
               <a:rPr lang="ru-RU" sz="3200" b="1" dirty="0"/>
               <a:t>Домашнее задания</a:t>
